--- a/4-Visual/Cognitive Lab 4 - Visual Recognition.pptx
+++ b/4-Visual/Cognitive Lab 4 - Visual Recognition.pptx
@@ -266,7 +266,7 @@
             <a:fld id="{B39099E1-2F6C-1143-9DF8-8ECBCD01D041}" type="datetimeFigureOut">
               <a:rPr lang="en-US" smtClean="0"/>
               <a:pPr/>
-              <a:t>6/28/18</a:t>
+              <a:t>7/2/18</a:t>
             </a:fld>
             <a:endParaRPr lang="en-US"/>
           </a:p>
@@ -1065,7 +1065,7 @@
     </p:spTree>
     <p:extLst>
       <p:ext uri="{BB962C8B-B14F-4D97-AF65-F5344CB8AC3E}">
-        <p14:creationId xmlns:p14="http://schemas.microsoft.com/office/powerpoint/2010/main" val="3039620214"/>
+        <p14:creationId xmlns:p14="http://schemas.microsoft.com/office/powerpoint/2010/main" val="3587845139"/>
       </p:ext>
     </p:extLst>
   </p:cSld>
@@ -5077,7 +5077,7 @@
           <a:p>
             <a:fld id="{B4F4939B-B8E4-4846-BA65-70B7915F55E2}" type="datetimeFigureOut">
               <a:rPr lang="en-US" smtClean="0"/>
-              <a:t>6/28/18</a:t>
+              <a:t>7/2/18</a:t>
             </a:fld>
             <a:endParaRPr lang="en-US"/>
           </a:p>
@@ -7907,8 +7907,8 @@
         </p:blipFill>
         <p:spPr>
           <a:xfrm>
-            <a:off x="1933902" y="3758736"/>
-            <a:ext cx="2625653" cy="1166034"/>
+            <a:off x="3023839" y="4145739"/>
+            <a:ext cx="1690231" cy="750620"/>
           </a:xfrm>
           <a:prstGeom prst="rect">
             <a:avLst/>
@@ -7966,7 +7966,7 @@
         <p:spPr>
           <a:xfrm>
             <a:off x="605416" y="821752"/>
-            <a:ext cx="8217308" cy="2739211"/>
+            <a:ext cx="8217308" cy="3323987"/>
           </a:xfrm>
           <a:prstGeom prst="rect">
             <a:avLst/>
@@ -8003,6 +8003,28 @@
             </a:r>
           </a:p>
           <a:p>
+            <a:pPr marL="742950" lvl="1" indent="-285750" fontAlgn="auto">
+              <a:lnSpc>
+                <a:spcPct val="100000"/>
+              </a:lnSpc>
+              <a:spcBef>
+                <a:spcPts val="0"/>
+              </a:spcBef>
+              <a:spcAft>
+                <a:spcPts val="600"/>
+              </a:spcAft>
+              <a:buFont typeface="Arial" panose="020B0604020202020204" pitchFamily="34" charset="0"/>
+              <a:buChar char="•"/>
+              <a:defRPr/>
+            </a:pPr>
+            <a:r>
+              <a:rPr lang="en-US" sz="1400" i="1" dirty="0">
+                <a:latin typeface="IBM Plex Sans" panose="020B0503050203000203" pitchFamily="34" charset="77"/>
+              </a:rPr>
+              <a:t>uses the supplied Watson Visual Recognition general model</a:t>
+            </a:r>
+          </a:p>
+          <a:p>
             <a:pPr marL="285750" indent="-285750" defTabSz="914400" eaLnBrk="1" fontAlgn="auto" hangingPunct="1">
               <a:lnSpc>
                 <a:spcPct val="100000"/>
@@ -8039,6 +8061,47 @@
             </a:r>
           </a:p>
           <a:p>
+            <a:pPr marL="742950" lvl="1" indent="-285750" fontAlgn="auto">
+              <a:lnSpc>
+                <a:spcPct val="100000"/>
+              </a:lnSpc>
+              <a:spcBef>
+                <a:spcPts val="0"/>
+              </a:spcBef>
+              <a:spcAft>
+                <a:spcPts val="600"/>
+              </a:spcAft>
+              <a:buFont typeface="Arial" panose="020B0604020202020204" pitchFamily="34" charset="0"/>
+              <a:buChar char="•"/>
+              <a:defRPr/>
+            </a:pPr>
+            <a:r>
+              <a:rPr lang="en-US" sz="1400" i="1" dirty="0">
+                <a:latin typeface="IBM Plex Sans" panose="020B0503050203000203" pitchFamily="34" charset="77"/>
+              </a:rPr>
+              <a:t>uses a custom Watson Visual Recognition machine learning model</a:t>
+            </a:r>
+          </a:p>
+          <a:p>
+            <a:pPr defTabSz="914400" eaLnBrk="1" fontAlgn="auto" hangingPunct="1">
+              <a:lnSpc>
+                <a:spcPct val="100000"/>
+              </a:lnSpc>
+              <a:spcBef>
+                <a:spcPts val="0"/>
+              </a:spcBef>
+              <a:spcAft>
+                <a:spcPts val="600"/>
+              </a:spcAft>
+              <a:buClrTx/>
+              <a:buSzTx/>
+              <a:defRPr/>
+            </a:pPr>
+            <a:endParaRPr lang="en-US" sz="1800" dirty="0">
+              <a:latin typeface="IBM Plex Sans" panose="020B0503050203000203" pitchFamily="34" charset="77"/>
+            </a:endParaRPr>
+          </a:p>
+          <a:p>
             <a:pPr marL="285750" indent="-285750" defTabSz="914400" eaLnBrk="1" fontAlgn="auto" hangingPunct="1">
               <a:lnSpc>
                 <a:spcPct val="100000"/>
@@ -8055,9 +8118,12 @@
               <a:buChar char="•"/>
               <a:defRPr/>
             </a:pPr>
-            <a:endParaRPr lang="en-US" sz="1800" dirty="0">
-              <a:latin typeface="IBM Plex Sans" panose="020B0503050203000203" pitchFamily="34" charset="77"/>
-            </a:endParaRPr>
+            <a:r>
+              <a:rPr lang="en-US" sz="1800" i="1" dirty="0">
+                <a:latin typeface="IBM Plex Sans" panose="020B0503050203000203" pitchFamily="34" charset="77"/>
+              </a:rPr>
+              <a:t>Watson Visual Recognition</a:t>
+            </a:r>
           </a:p>
           <a:p>
             <a:pPr marL="285750" indent="-285750" defTabSz="914400" eaLnBrk="1" fontAlgn="auto" hangingPunct="1">
@@ -8080,7 +8146,7 @@
               <a:rPr lang="en-US" sz="1800" i="1" dirty="0">
                 <a:latin typeface="IBM Plex Sans" panose="020B0503050203000203" pitchFamily="34" charset="77"/>
               </a:rPr>
-              <a:t>Watson Visual Recognition</a:t>
+              <a:t>IBM Cloud Object Storage</a:t>
             </a:r>
           </a:p>
           <a:p>
@@ -8104,30 +8170,6 @@
               <a:rPr lang="en-US" sz="1800" i="1" dirty="0">
                 <a:latin typeface="IBM Plex Sans" panose="020B0503050203000203" pitchFamily="34" charset="77"/>
               </a:rPr>
-              <a:t>IBM Cloud Object Storage</a:t>
-            </a:r>
-          </a:p>
-          <a:p>
-            <a:pPr marL="285750" indent="-285750" defTabSz="914400" eaLnBrk="1" fontAlgn="auto" hangingPunct="1">
-              <a:lnSpc>
-                <a:spcPct val="100000"/>
-              </a:lnSpc>
-              <a:spcBef>
-                <a:spcPts val="0"/>
-              </a:spcBef>
-              <a:spcAft>
-                <a:spcPts val="600"/>
-              </a:spcAft>
-              <a:buClrTx/>
-              <a:buSzTx/>
-              <a:buFont typeface="Arial" panose="020B0604020202020204" pitchFamily="34" charset="0"/>
-              <a:buChar char="•"/>
-              <a:defRPr/>
-            </a:pPr>
-            <a:r>
-              <a:rPr lang="en-US" sz="1800" i="1" dirty="0">
-                <a:latin typeface="IBM Plex Sans" panose="020B0503050203000203" pitchFamily="34" charset="77"/>
-              </a:rPr>
               <a:t>Node-RED</a:t>
             </a:r>
           </a:p>
@@ -8158,7 +8200,7 @@
     </p:spTree>
     <p:extLst>
       <p:ext uri="{BB962C8B-B14F-4D97-AF65-F5344CB8AC3E}">
-        <p14:creationId xmlns:p14="http://schemas.microsoft.com/office/powerpoint/2010/main" val="3678328027"/>
+        <p14:creationId xmlns:p14="http://schemas.microsoft.com/office/powerpoint/2010/main" val="1187446476"/>
       </p:ext>
     </p:extLst>
   </p:cSld>
